--- a/Findings_of_the_Analysis.pptx
+++ b/Findings_of_the_Analysis.pptx
@@ -3401,7 +3401,17 @@
                   </a:solidFill>
                 </a:ln>
               </a:rPr>
-              <a:t>Title-Analysis of Airbnb Data To Understand Customer Satisfaction.</a:t>
+              <a:t>Title-Analysis of Airbnb Data To Understand </a:t>
+            </a:r>
+            <a:r>
+              <a:rPr lang="en-US" sz="4900" b="1">
+                <a:ln>
+                  <a:solidFill>
+                    <a:sysClr val="windowText" lastClr="000000"/>
+                  </a:solidFill>
+                </a:ln>
+              </a:rPr>
+              <a:t>Customer Satisfaction</a:t>
             </a:r>
             <a:endParaRPr lang="en-IN" b="1" dirty="0">
               <a:ln>
